--- a/mastering-excel-formulas-slides.pptx
+++ b/mastering-excel-formulas-slides.pptx
@@ -180,6 +180,12 @@
     </p:ext>
   </p:extLst>
 </p:presentation>
+</file>
+
+<file path=ppt/authors.xml><?xml version="1.0" encoding="utf-8"?>
+<p188:authorLst xmlns:a="http://schemas.openxmlformats.org/drawingml/2006/main" xmlns:r="http://schemas.openxmlformats.org/officeDocument/2006/relationships" xmlns:p188="http://schemas.microsoft.com/office/powerpoint/2018/8/main">
+  <p188:author id="{A7684158-E8C8-9BE0-21EB-718D906F94A5}" name="George Mount" initials="GM" userId="S::george@stringfestanalytics.com::22d0b802-afc6-4b8f-ba57-7a855d96927f" providerId="AD"/>
+</p188:authorLst>
 </file>
 
 <file path=ppt/commentAuthors.xml><?xml version="1.0" encoding="utf-8"?>
@@ -3854,7 +3860,7 @@
           <a:p>
             <a:fld id="{05534BD0-1400-4EBA-BBA1-04F52AB31B36}" type="datetimeFigureOut">
               <a:rPr lang="en-US" smtClean="0"/>
-              <a:t>11/8/2022</a:t>
+              <a:t>11/29/2022</a:t>
             </a:fld>
             <a:endParaRPr lang="en-US"/>
           </a:p>
@@ -4262,9 +4268,30 @@
           <a:bodyPr/>
           <a:lstStyle/>
           <a:p>
+            <a:pPr marL="228600" indent="-228600">
+              <a:buAutoNum type="arabicPeriod"/>
+            </a:pPr>
             <a:r>
               <a:rPr lang="en-US" dirty="0"/>
-              <a:t>Ask learner to name a few functions in the chat</a:t>
+              <a:t>False!</a:t>
+            </a:r>
+          </a:p>
+          <a:p>
+            <a:pPr marL="228600" indent="-228600">
+              <a:buAutoNum type="arabicPeriod"/>
+            </a:pPr>
+            <a:r>
+              <a:rPr lang="en-US" dirty="0"/>
+              <a:t>Function, Formula, Function</a:t>
+            </a:r>
+          </a:p>
+          <a:p>
+            <a:pPr marL="228600" indent="-228600">
+              <a:buAutoNum type="arabicPeriod"/>
+            </a:pPr>
+            <a:r>
+              <a:rPr lang="en-US" dirty="0"/>
+              <a:t>Argument</a:t>
             </a:r>
           </a:p>
         </p:txBody>
@@ -4286,7 +4313,7 @@
           <a:p>
             <a:fld id="{1300335D-9F13-4B80-ADC5-B0EA3E10FF6B}" type="slidenum">
               <a:rPr lang="en-US" smtClean="0"/>
-              <a:t>22</a:t>
+              <a:t>17</a:t>
             </a:fld>
             <a:endParaRPr lang="en-US"/>
           </a:p>
@@ -4295,7 +4322,7 @@
     </p:spTree>
     <p:extLst>
       <p:ext uri="{BB962C8B-B14F-4D97-AF65-F5344CB8AC3E}">
-        <p14:creationId xmlns:p14="http://schemas.microsoft.com/office/powerpoint/2010/main" val="2327569450"/>
+        <p14:creationId xmlns:p14="http://schemas.microsoft.com/office/powerpoint/2010/main" val="2757268264"/>
       </p:ext>
     </p:extLst>
   </p:cSld>
@@ -4373,7 +4400,7 @@
           <a:p>
             <a:fld id="{1300335D-9F13-4B80-ADC5-B0EA3E10FF6B}" type="slidenum">
               <a:rPr lang="en-US" smtClean="0"/>
-              <a:t>31</a:t>
+              <a:t>22</a:t>
             </a:fld>
             <a:endParaRPr lang="en-US"/>
           </a:p>
@@ -4382,7 +4409,7 @@
     </p:spTree>
     <p:extLst>
       <p:ext uri="{BB962C8B-B14F-4D97-AF65-F5344CB8AC3E}">
-        <p14:creationId xmlns:p14="http://schemas.microsoft.com/office/powerpoint/2010/main" val="3224219257"/>
+        <p14:creationId xmlns:p14="http://schemas.microsoft.com/office/powerpoint/2010/main" val="2327569450"/>
       </p:ext>
     </p:extLst>
   </p:cSld>
@@ -4438,7 +4465,7 @@
           <a:p>
             <a:r>
               <a:rPr lang="en-US" dirty="0"/>
-              <a:t>Don’t worry too much about the building blocks right now – I have this in here to gauge everyone’s interest </a:t>
+              <a:t>Removing the header row means that #3 now gets an error, sad!</a:t>
             </a:r>
           </a:p>
         </p:txBody>
@@ -4460,7 +4487,7 @@
           <a:p>
             <a:fld id="{1300335D-9F13-4B80-ADC5-B0EA3E10FF6B}" type="slidenum">
               <a:rPr lang="en-US" smtClean="0"/>
-              <a:t>33</a:t>
+              <a:t>28</a:t>
             </a:fld>
             <a:endParaRPr lang="en-US"/>
           </a:p>
@@ -4469,7 +4496,7 @@
     </p:spTree>
     <p:extLst>
       <p:ext uri="{BB962C8B-B14F-4D97-AF65-F5344CB8AC3E}">
-        <p14:creationId xmlns:p14="http://schemas.microsoft.com/office/powerpoint/2010/main" val="494037280"/>
+        <p14:creationId xmlns:p14="http://schemas.microsoft.com/office/powerpoint/2010/main" val="2573444359"/>
       </p:ext>
     </p:extLst>
   </p:cSld>
@@ -4525,7 +4552,7 @@
           <a:p>
             <a:r>
               <a:rPr lang="en-US" dirty="0"/>
-              <a:t>Don’t worry too much about the building blocks right now – I have this in here to gauge everyone’s interest </a:t>
+              <a:t>Ask learner to name a few functions in the chat</a:t>
             </a:r>
           </a:p>
         </p:txBody>
@@ -4547,7 +4574,7 @@
           <a:p>
             <a:fld id="{1300335D-9F13-4B80-ADC5-B0EA3E10FF6B}" type="slidenum">
               <a:rPr lang="en-US" smtClean="0"/>
-              <a:t>34</a:t>
+              <a:t>31</a:t>
             </a:fld>
             <a:endParaRPr lang="en-US"/>
           </a:p>
@@ -4556,7 +4583,7 @@
     </p:spTree>
     <p:extLst>
       <p:ext uri="{BB962C8B-B14F-4D97-AF65-F5344CB8AC3E}">
-        <p14:creationId xmlns:p14="http://schemas.microsoft.com/office/powerpoint/2010/main" val="3621800541"/>
+        <p14:creationId xmlns:p14="http://schemas.microsoft.com/office/powerpoint/2010/main" val="3224219257"/>
       </p:ext>
     </p:extLst>
   </p:cSld>
@@ -4634,7 +4661,7 @@
           <a:p>
             <a:fld id="{1300335D-9F13-4B80-ADC5-B0EA3E10FF6B}" type="slidenum">
               <a:rPr lang="en-US" smtClean="0"/>
-              <a:t>36</a:t>
+              <a:t>33</a:t>
             </a:fld>
             <a:endParaRPr lang="en-US"/>
           </a:p>
@@ -4643,7 +4670,7 @@
     </p:spTree>
     <p:extLst>
       <p:ext uri="{BB962C8B-B14F-4D97-AF65-F5344CB8AC3E}">
-        <p14:creationId xmlns:p14="http://schemas.microsoft.com/office/powerpoint/2010/main" val="2037377825"/>
+        <p14:creationId xmlns:p14="http://schemas.microsoft.com/office/powerpoint/2010/main" val="494037280"/>
       </p:ext>
     </p:extLst>
   </p:cSld>
@@ -4721,7 +4748,7 @@
           <a:p>
             <a:fld id="{1300335D-9F13-4B80-ADC5-B0EA3E10FF6B}" type="slidenum">
               <a:rPr lang="en-US" smtClean="0"/>
-              <a:t>40</a:t>
+              <a:t>34</a:t>
             </a:fld>
             <a:endParaRPr lang="en-US"/>
           </a:p>
@@ -4730,7 +4757,7 @@
     </p:spTree>
     <p:extLst>
       <p:ext uri="{BB962C8B-B14F-4D97-AF65-F5344CB8AC3E}">
-        <p14:creationId xmlns:p14="http://schemas.microsoft.com/office/powerpoint/2010/main" val="2076419595"/>
+        <p14:creationId xmlns:p14="http://schemas.microsoft.com/office/powerpoint/2010/main" val="3621800541"/>
       </p:ext>
     </p:extLst>
   </p:cSld>
@@ -4808,7 +4835,7 @@
           <a:p>
             <a:fld id="{1300335D-9F13-4B80-ADC5-B0EA3E10FF6B}" type="slidenum">
               <a:rPr lang="en-US" smtClean="0"/>
-              <a:t>44</a:t>
+              <a:t>36</a:t>
             </a:fld>
             <a:endParaRPr lang="en-US"/>
           </a:p>
@@ -4817,7 +4844,7 @@
     </p:spTree>
     <p:extLst>
       <p:ext uri="{BB962C8B-B14F-4D97-AF65-F5344CB8AC3E}">
-        <p14:creationId xmlns:p14="http://schemas.microsoft.com/office/powerpoint/2010/main" val="2111047895"/>
+        <p14:creationId xmlns:p14="http://schemas.microsoft.com/office/powerpoint/2010/main" val="2037377825"/>
       </p:ext>
     </p:extLst>
   </p:cSld>
@@ -4895,7 +4922,7 @@
           <a:p>
             <a:fld id="{1300335D-9F13-4B80-ADC5-B0EA3E10FF6B}" type="slidenum">
               <a:rPr lang="en-US" smtClean="0"/>
-              <a:t>51</a:t>
+              <a:t>40</a:t>
             </a:fld>
             <a:endParaRPr lang="en-US"/>
           </a:p>
@@ -4904,7 +4931,7 @@
     </p:spTree>
     <p:extLst>
       <p:ext uri="{BB962C8B-B14F-4D97-AF65-F5344CB8AC3E}">
-        <p14:creationId xmlns:p14="http://schemas.microsoft.com/office/powerpoint/2010/main" val="3982315144"/>
+        <p14:creationId xmlns:p14="http://schemas.microsoft.com/office/powerpoint/2010/main" val="2076419595"/>
       </p:ext>
     </p:extLst>
   </p:cSld>
@@ -4982,7 +5009,7 @@
           <a:p>
             <a:fld id="{1300335D-9F13-4B80-ADC5-B0EA3E10FF6B}" type="slidenum">
               <a:rPr lang="en-US" smtClean="0"/>
-              <a:t>52</a:t>
+              <a:t>44</a:t>
             </a:fld>
             <a:endParaRPr lang="en-US"/>
           </a:p>
@@ -4991,7 +5018,7 @@
     </p:spTree>
     <p:extLst>
       <p:ext uri="{BB962C8B-B14F-4D97-AF65-F5344CB8AC3E}">
-        <p14:creationId xmlns:p14="http://schemas.microsoft.com/office/powerpoint/2010/main" val="1465577107"/>
+        <p14:creationId xmlns:p14="http://schemas.microsoft.com/office/powerpoint/2010/main" val="2111047895"/>
       </p:ext>
     </p:extLst>
   </p:cSld>
@@ -5047,7 +5074,7 @@
           <a:p>
             <a:r>
               <a:rPr lang="en-US" dirty="0"/>
-              <a:t>Ask learner if they would like to see any of these demonstrated. </a:t>
+              <a:t>Don’t worry too much about the building blocks right now – I have this in here to gauge everyone’s interest </a:t>
             </a:r>
           </a:p>
         </p:txBody>
@@ -5069,7 +5096,7 @@
           <a:p>
             <a:fld id="{1300335D-9F13-4B80-ADC5-B0EA3E10FF6B}" type="slidenum">
               <a:rPr lang="en-US" smtClean="0"/>
-              <a:t>59</a:t>
+              <a:t>51</a:t>
             </a:fld>
             <a:endParaRPr lang="en-US"/>
           </a:p>
@@ -5078,7 +5105,7 @@
     </p:spTree>
     <p:extLst>
       <p:ext uri="{BB962C8B-B14F-4D97-AF65-F5344CB8AC3E}">
-        <p14:creationId xmlns:p14="http://schemas.microsoft.com/office/powerpoint/2010/main" val="3402527215"/>
+        <p14:creationId xmlns:p14="http://schemas.microsoft.com/office/powerpoint/2010/main" val="3982315144"/>
       </p:ext>
     </p:extLst>
   </p:cSld>
@@ -5231,6 +5258,180 @@
           <a:p>
             <a:r>
               <a:rPr lang="en-US" dirty="0"/>
+              <a:t>Don’t worry too much about the building blocks right now – I have this in here to gauge everyone’s interest </a:t>
+            </a:r>
+          </a:p>
+        </p:txBody>
+      </p:sp>
+      <p:sp>
+        <p:nvSpPr>
+          <p:cNvPr id="4" name="Slide Number Placeholder 3"/>
+          <p:cNvSpPr>
+            <a:spLocks noGrp="1"/>
+          </p:cNvSpPr>
+          <p:nvPr>
+            <p:ph type="sldNum" sz="quarter" idx="5"/>
+          </p:nvPr>
+        </p:nvSpPr>
+        <p:spPr/>
+        <p:txBody>
+          <a:bodyPr/>
+          <a:lstStyle/>
+          <a:p>
+            <a:fld id="{1300335D-9F13-4B80-ADC5-B0EA3E10FF6B}" type="slidenum">
+              <a:rPr lang="en-US" smtClean="0"/>
+              <a:t>52</a:t>
+            </a:fld>
+            <a:endParaRPr lang="en-US"/>
+          </a:p>
+        </p:txBody>
+      </p:sp>
+    </p:spTree>
+    <p:extLst>
+      <p:ext uri="{BB962C8B-B14F-4D97-AF65-F5344CB8AC3E}">
+        <p14:creationId xmlns:p14="http://schemas.microsoft.com/office/powerpoint/2010/main" val="1465577107"/>
+      </p:ext>
+    </p:extLst>
+  </p:cSld>
+  <p:clrMapOvr>
+    <a:masterClrMapping/>
+  </p:clrMapOvr>
+</p:notes>
+</file>
+
+<file path=ppt/notesSlides/notesSlide21.xml><?xml version="1.0" encoding="utf-8"?>
+<p:notes xmlns:a="http://schemas.openxmlformats.org/drawingml/2006/main" xmlns:r="http://schemas.openxmlformats.org/officeDocument/2006/relationships" xmlns:p="http://schemas.openxmlformats.org/presentationml/2006/main">
+  <p:cSld>
+    <p:spTree>
+      <p:nvGrpSpPr>
+        <p:cNvPr id="1" name=""/>
+        <p:cNvGrpSpPr/>
+        <p:nvPr/>
+      </p:nvGrpSpPr>
+      <p:grpSpPr>
+        <a:xfrm>
+          <a:off x="0" y="0"/>
+          <a:ext cx="0" cy="0"/>
+          <a:chOff x="0" y="0"/>
+          <a:chExt cx="0" cy="0"/>
+        </a:xfrm>
+      </p:grpSpPr>
+      <p:sp>
+        <p:nvSpPr>
+          <p:cNvPr id="2" name="Slide Image Placeholder 1"/>
+          <p:cNvSpPr>
+            <a:spLocks noGrp="1" noRot="1" noChangeAspect="1"/>
+          </p:cNvSpPr>
+          <p:nvPr>
+            <p:ph type="sldImg"/>
+          </p:nvPr>
+        </p:nvSpPr>
+        <p:spPr/>
+      </p:sp>
+      <p:sp>
+        <p:nvSpPr>
+          <p:cNvPr id="3" name="Notes Placeholder 2"/>
+          <p:cNvSpPr>
+            <a:spLocks noGrp="1"/>
+          </p:cNvSpPr>
+          <p:nvPr>
+            <p:ph type="body" idx="1"/>
+          </p:nvPr>
+        </p:nvSpPr>
+        <p:spPr/>
+        <p:txBody>
+          <a:bodyPr/>
+          <a:lstStyle/>
+          <a:p>
+            <a:r>
+              <a:rPr lang="en-US" dirty="0"/>
+              <a:t>Ask learner if they would like to see any of these demonstrated. </a:t>
+            </a:r>
+          </a:p>
+        </p:txBody>
+      </p:sp>
+      <p:sp>
+        <p:nvSpPr>
+          <p:cNvPr id="4" name="Slide Number Placeholder 3"/>
+          <p:cNvSpPr>
+            <a:spLocks noGrp="1"/>
+          </p:cNvSpPr>
+          <p:nvPr>
+            <p:ph type="sldNum" sz="quarter" idx="5"/>
+          </p:nvPr>
+        </p:nvSpPr>
+        <p:spPr/>
+        <p:txBody>
+          <a:bodyPr/>
+          <a:lstStyle/>
+          <a:p>
+            <a:fld id="{1300335D-9F13-4B80-ADC5-B0EA3E10FF6B}" type="slidenum">
+              <a:rPr lang="en-US" smtClean="0"/>
+              <a:t>59</a:t>
+            </a:fld>
+            <a:endParaRPr lang="en-US"/>
+          </a:p>
+        </p:txBody>
+      </p:sp>
+    </p:spTree>
+    <p:extLst>
+      <p:ext uri="{BB962C8B-B14F-4D97-AF65-F5344CB8AC3E}">
+        <p14:creationId xmlns:p14="http://schemas.microsoft.com/office/powerpoint/2010/main" val="3402527215"/>
+      </p:ext>
+    </p:extLst>
+  </p:cSld>
+  <p:clrMapOvr>
+    <a:masterClrMapping/>
+  </p:clrMapOvr>
+</p:notes>
+</file>
+
+<file path=ppt/notesSlides/notesSlide22.xml><?xml version="1.0" encoding="utf-8"?>
+<p:notes xmlns:a="http://schemas.openxmlformats.org/drawingml/2006/main" xmlns:r="http://schemas.openxmlformats.org/officeDocument/2006/relationships" xmlns:p="http://schemas.openxmlformats.org/presentationml/2006/main">
+  <p:cSld>
+    <p:spTree>
+      <p:nvGrpSpPr>
+        <p:cNvPr id="1" name=""/>
+        <p:cNvGrpSpPr/>
+        <p:nvPr/>
+      </p:nvGrpSpPr>
+      <p:grpSpPr>
+        <a:xfrm>
+          <a:off x="0" y="0"/>
+          <a:ext cx="0" cy="0"/>
+          <a:chOff x="0" y="0"/>
+          <a:chExt cx="0" cy="0"/>
+        </a:xfrm>
+      </p:grpSpPr>
+      <p:sp>
+        <p:nvSpPr>
+          <p:cNvPr id="2" name="Slide Image Placeholder 1"/>
+          <p:cNvSpPr>
+            <a:spLocks noGrp="1" noRot="1" noChangeAspect="1"/>
+          </p:cNvSpPr>
+          <p:nvPr>
+            <p:ph type="sldImg"/>
+          </p:nvPr>
+        </p:nvSpPr>
+        <p:spPr/>
+      </p:sp>
+      <p:sp>
+        <p:nvSpPr>
+          <p:cNvPr id="3" name="Notes Placeholder 2"/>
+          <p:cNvSpPr>
+            <a:spLocks noGrp="1"/>
+          </p:cNvSpPr>
+          <p:nvPr>
+            <p:ph type="body" idx="1"/>
+          </p:nvPr>
+        </p:nvSpPr>
+        <p:spPr/>
+        <p:txBody>
+          <a:bodyPr/>
+          <a:lstStyle/>
+          <a:p>
+            <a:r>
+              <a:rPr lang="en-US" dirty="0"/>
               <a:t>Ask learners if they would like to see any of these </a:t>
             </a:r>
           </a:p>
@@ -5272,7 +5473,7 @@
 </p:notes>
 </file>
 
-<file path=ppt/notesSlides/notesSlide21.xml><?xml version="1.0" encoding="utf-8"?>
+<file path=ppt/notesSlides/notesSlide23.xml><?xml version="1.0" encoding="utf-8"?>
 <p:notes xmlns:a="http://schemas.openxmlformats.org/drawingml/2006/main" xmlns:r="http://schemas.openxmlformats.org/officeDocument/2006/relationships" xmlns:p="http://schemas.openxmlformats.org/presentationml/2006/main">
   <p:cSld>
     <p:spTree>
@@ -6107,7 +6308,7 @@
           <a:p>
             <a:fld id="{0138B082-EFC2-46C1-B47C-51736C670379}" type="datetimeFigureOut">
               <a:rPr lang="en-US" smtClean="0"/>
-              <a:t>11/8/2022</a:t>
+              <a:t>11/29/2022</a:t>
             </a:fld>
             <a:endParaRPr lang="en-US"/>
           </a:p>
@@ -6275,7 +6476,7 @@
           <a:p>
             <a:fld id="{0138B082-EFC2-46C1-B47C-51736C670379}" type="datetimeFigureOut">
               <a:rPr lang="en-US" smtClean="0"/>
-              <a:t>11/8/2022</a:t>
+              <a:t>11/29/2022</a:t>
             </a:fld>
             <a:endParaRPr lang="en-US"/>
           </a:p>
@@ -6453,7 +6654,7 @@
           <a:p>
             <a:fld id="{0138B082-EFC2-46C1-B47C-51736C670379}" type="datetimeFigureOut">
               <a:rPr lang="en-US" smtClean="0"/>
-              <a:t>11/8/2022</a:t>
+              <a:t>11/29/2022</a:t>
             </a:fld>
             <a:endParaRPr lang="en-US"/>
           </a:p>
@@ -6621,7 +6822,7 @@
           <a:p>
             <a:fld id="{0138B082-EFC2-46C1-B47C-51736C670379}" type="datetimeFigureOut">
               <a:rPr lang="en-US" smtClean="0"/>
-              <a:t>11/8/2022</a:t>
+              <a:t>11/29/2022</a:t>
             </a:fld>
             <a:endParaRPr lang="en-US"/>
           </a:p>
@@ -6866,7 +7067,7 @@
           <a:p>
             <a:fld id="{0138B082-EFC2-46C1-B47C-51736C670379}" type="datetimeFigureOut">
               <a:rPr lang="en-US" smtClean="0"/>
-              <a:t>11/8/2022</a:t>
+              <a:t>11/29/2022</a:t>
             </a:fld>
             <a:endParaRPr lang="en-US"/>
           </a:p>
@@ -7095,7 +7296,7 @@
           <a:p>
             <a:fld id="{0138B082-EFC2-46C1-B47C-51736C670379}" type="datetimeFigureOut">
               <a:rPr lang="en-US" smtClean="0"/>
-              <a:t>11/8/2022</a:t>
+              <a:t>11/29/2022</a:t>
             </a:fld>
             <a:endParaRPr lang="en-US"/>
           </a:p>
@@ -7459,7 +7660,7 @@
           <a:p>
             <a:fld id="{0138B082-EFC2-46C1-B47C-51736C670379}" type="datetimeFigureOut">
               <a:rPr lang="en-US" smtClean="0"/>
-              <a:t>11/8/2022</a:t>
+              <a:t>11/29/2022</a:t>
             </a:fld>
             <a:endParaRPr lang="en-US"/>
           </a:p>
@@ -7576,7 +7777,7 @@
           <a:p>
             <a:fld id="{0138B082-EFC2-46C1-B47C-51736C670379}" type="datetimeFigureOut">
               <a:rPr lang="en-US" smtClean="0"/>
-              <a:t>11/8/2022</a:t>
+              <a:t>11/29/2022</a:t>
             </a:fld>
             <a:endParaRPr lang="en-US"/>
           </a:p>
@@ -7671,7 +7872,7 @@
           <a:p>
             <a:fld id="{0138B082-EFC2-46C1-B47C-51736C670379}" type="datetimeFigureOut">
               <a:rPr lang="en-US" smtClean="0"/>
-              <a:t>11/8/2022</a:t>
+              <a:t>11/29/2022</a:t>
             </a:fld>
             <a:endParaRPr lang="en-US"/>
           </a:p>
@@ -7946,7 +8147,7 @@
           <a:p>
             <a:fld id="{0138B082-EFC2-46C1-B47C-51736C670379}" type="datetimeFigureOut">
               <a:rPr lang="en-US" smtClean="0"/>
-              <a:t>11/8/2022</a:t>
+              <a:t>11/29/2022</a:t>
             </a:fld>
             <a:endParaRPr lang="en-US"/>
           </a:p>
@@ -8198,7 +8399,7 @@
           <a:p>
             <a:fld id="{0138B082-EFC2-46C1-B47C-51736C670379}" type="datetimeFigureOut">
               <a:rPr lang="en-US" smtClean="0"/>
-              <a:t>11/8/2022</a:t>
+              <a:t>11/29/2022</a:t>
             </a:fld>
             <a:endParaRPr lang="en-US"/>
           </a:p>
@@ -8412,7 +8613,7 @@
           <a:p>
             <a:fld id="{0138B082-EFC2-46C1-B47C-51736C670379}" type="datetimeFigureOut">
               <a:rPr lang="en-US" smtClean="0"/>
-              <a:t>11/8/2022</a:t>
+              <a:t>11/29/2022</a:t>
             </a:fld>
             <a:endParaRPr lang="en-US"/>
           </a:p>
@@ -10385,7 +10586,7 @@
           <p:nvPr/>
         </p:nvPicPr>
         <p:blipFill rotWithShape="1">
-          <a:blip r:embed="rId2">
+          <a:blip r:embed="rId3">
             <a:extLst>
               <a:ext uri="{28A0092B-C50C-407E-A947-70E740481C1C}">
                 <a14:useLocalDpi xmlns:a14="http://schemas.microsoft.com/office/drawing/2010/main" val="0"/>
@@ -10978,10 +11179,10 @@
       </p:sp>
       <p:pic>
         <p:nvPicPr>
-          <p:cNvPr id="6" name="Picture 5">
+          <p:cNvPr id="9" name="Picture 8">
             <a:extLst>
               <a:ext uri="{FF2B5EF4-FFF2-40B4-BE49-F238E27FC236}">
-                <a16:creationId xmlns:a16="http://schemas.microsoft.com/office/drawing/2014/main" id="{9FB665B2-4ABA-AB72-526A-A4B3985E8992}"/>
+                <a16:creationId xmlns:a16="http://schemas.microsoft.com/office/drawing/2014/main" id="{DF64B2D0-FB12-6F50-C0C3-CEA7E42BEFA8}"/>
               </a:ext>
             </a:extLst>
           </p:cNvPr>
@@ -10998,8 +11199,8 @@
         </p:blipFill>
         <p:spPr>
           <a:xfrm>
-            <a:off x="6728347" y="1200923"/>
-            <a:ext cx="5418063" cy="2162056"/>
+            <a:off x="6990185" y="686790"/>
+            <a:ext cx="4224368" cy="2219341"/>
           </a:xfrm>
           <a:prstGeom prst="rect">
             <a:avLst/>
@@ -13064,7 +13265,7 @@
           <p:nvPr/>
         </p:nvPicPr>
         <p:blipFill rotWithShape="1">
-          <a:blip r:embed="rId2">
+          <a:blip r:embed="rId3">
             <a:extLst>
               <a:ext uri="{28A0092B-C50C-407E-A947-70E740481C1C}">
                 <a14:useLocalDpi xmlns:a14="http://schemas.microsoft.com/office/drawing/2010/main" val="0"/>
@@ -13283,7 +13484,7 @@
                 <a:latin typeface="Consolas" panose="020B0609020204030204" pitchFamily="49" charset="0"/>
                 <a:sym typeface="Consolas"/>
               </a:rPr>
-              <a:t>INDEX()</a:t>
+              <a:t>MATCH()</a:t>
             </a:r>
             <a:r>
               <a:rPr lang="en-US" sz="2400" dirty="0">
@@ -18464,7 +18665,7 @@
                 <a:cs typeface="Consolas"/>
                 <a:sym typeface="Consolas"/>
               </a:rPr>
-              <a:t>mpg</a:t>
+              <a:t>computers</a:t>
             </a:r>
           </a:p>
           <a:p>
@@ -18664,7 +18865,7 @@
         <p:spPr>
           <a:xfrm>
             <a:off x="173620" y="219919"/>
-            <a:ext cx="5937813" cy="3677673"/>
+            <a:ext cx="5937813" cy="5161926"/>
           </a:xfrm>
           <a:prstGeom prst="rect">
             <a:avLst/>
@@ -18688,12 +18889,12 @@
             </a:r>
           </a:p>
           <a:p>
-            <a:pPr marL="95250" lvl="0">
+            <a:pPr marL="142875">
               <a:lnSpc>
                 <a:spcPct val="115000"/>
               </a:lnSpc>
               <a:spcBef>
-                <a:spcPts val="750"/>
+                <a:spcPts val="1125"/>
               </a:spcBef>
               <a:buClr>
                 <a:srgbClr val="C00000"/>
@@ -18701,7 +18902,7 @@
               <a:buSzPts val="2100"/>
             </a:pPr>
             <a:r>
-              <a:rPr lang="en-US" sz="2000" dirty="0">
+              <a:rPr lang="en-US" sz="2400" dirty="0">
                 <a:solidFill>
                   <a:srgbClr val="CF3338"/>
                 </a:solidFill>
@@ -18710,10 +18911,10 @@
                 <a:cs typeface="Consolas"/>
                 <a:sym typeface="Consolas"/>
               </a:rPr>
-              <a:t>Worksheet: </a:t>
-            </a:r>
-            <a:r>
-              <a:rPr lang="en-US" sz="2000" dirty="0">
+              <a:t>File: </a:t>
+            </a:r>
+            <a:r>
+              <a:rPr lang="en-US" sz="2400" dirty="0">
                 <a:solidFill>
                   <a:srgbClr val="CF3338"/>
                 </a:solidFill>
@@ -18722,117 +18923,117 @@
                 <a:cs typeface="Consolas"/>
                 <a:sym typeface="Consolas"/>
               </a:rPr>
-              <a:t>mpg</a:t>
-            </a:r>
-          </a:p>
-          <a:p>
-            <a:pPr marL="95250" lvl="0">
-              <a:lnSpc>
-                <a:spcPct val="115000"/>
-              </a:lnSpc>
+              <a:t>penguins.xlsx</a:t>
+            </a:r>
+            <a:endParaRPr lang="en-US" sz="2400" dirty="0">
+              <a:solidFill>
+                <a:srgbClr val="CF3338"/>
+              </a:solidFill>
+              <a:latin typeface="Pragmatica" panose="020B0403040502020204"/>
+              <a:ea typeface="Consolas"/>
+              <a:cs typeface="Consolas"/>
+              <a:sym typeface="Consolas"/>
+            </a:endParaRPr>
+          </a:p>
+          <a:p>
+            <a:pPr marL="657225" indent="-514350">
               <a:spcBef>
-                <a:spcPts val="750"/>
+                <a:spcPts val="1125"/>
               </a:spcBef>
               <a:buClr>
                 <a:srgbClr val="C00000"/>
               </a:buClr>
               <a:buSzPts val="2100"/>
+              <a:buFont typeface="+mj-lt"/>
+              <a:buAutoNum type="arabicPeriod"/>
             </a:pPr>
             <a:r>
-              <a:rPr lang="en-US" sz="2000" dirty="0">
+              <a:rPr lang="en-US" sz="2400" dirty="0">
                 <a:solidFill>
                   <a:srgbClr val="CF3338"/>
                 </a:solidFill>
                 <a:latin typeface="Pragmatica" panose="020B0403040502020204"/>
+                <a:ea typeface="Consolas"/>
+                <a:cs typeface="Consolas"/>
                 <a:sym typeface="Consolas"/>
               </a:rPr>
-              <a:t>Find the following using dynamic arrays:</a:t>
-            </a:r>
-          </a:p>
-          <a:p>
-            <a:pPr marL="438150" lvl="0" indent="-342900">
-              <a:lnSpc>
-                <a:spcPct val="115000"/>
-              </a:lnSpc>
+              <a:t>How many unique species are in this dataset? What are they?</a:t>
+            </a:r>
+          </a:p>
+          <a:p>
+            <a:pPr marL="657225" indent="-514350">
               <a:spcBef>
-                <a:spcPts val="750"/>
+                <a:spcPts val="1125"/>
               </a:spcBef>
               <a:buClr>
                 <a:srgbClr val="C00000"/>
               </a:buClr>
               <a:buSzPts val="2100"/>
-              <a:buFont typeface="Arial" panose="020B0604020202020204" pitchFamily="34" charset="0"/>
-              <a:buChar char="•"/>
+              <a:buFont typeface="+mj-lt"/>
+              <a:buAutoNum type="arabicPeriod"/>
             </a:pPr>
             <a:r>
-              <a:rPr lang="en-US" sz="2000" dirty="0">
+              <a:rPr lang="en-US" sz="2400" dirty="0">
                 <a:solidFill>
                   <a:srgbClr val="CF3338"/>
                 </a:solidFill>
                 <a:latin typeface="Pragmatica" panose="020B0403040502020204"/>
+                <a:ea typeface="Consolas"/>
+                <a:cs typeface="Consolas"/>
                 <a:sym typeface="Consolas"/>
               </a:rPr>
-              <a:t>How many unique manufacturers are represented? </a:t>
-            </a:r>
-          </a:p>
-          <a:p>
-            <a:pPr marL="438150" lvl="0" indent="-342900">
-              <a:lnSpc>
-                <a:spcPct val="115000"/>
-              </a:lnSpc>
+              <a:t>Pull only the records from the Biscoe island. </a:t>
+            </a:r>
+          </a:p>
+          <a:p>
+            <a:pPr marL="657225" indent="-514350">
               <a:spcBef>
-                <a:spcPts val="750"/>
+                <a:spcPts val="1125"/>
               </a:spcBef>
               <a:buClr>
                 <a:srgbClr val="C00000"/>
               </a:buClr>
               <a:buSzPts val="2100"/>
-              <a:buFont typeface="Arial" panose="020B0604020202020204" pitchFamily="34" charset="0"/>
-              <a:buChar char="•"/>
+              <a:buFont typeface="+mj-lt"/>
+              <a:buAutoNum type="arabicPeriod"/>
             </a:pPr>
             <a:r>
-              <a:rPr lang="en-US" sz="2000" dirty="0">
+              <a:rPr lang="en-US" sz="2400" dirty="0">
                 <a:solidFill>
                   <a:srgbClr val="CF3338"/>
                 </a:solidFill>
                 <a:latin typeface="Pragmatica" panose="020B0403040502020204"/>
+                <a:ea typeface="Consolas"/>
+                <a:cs typeface="Consolas"/>
                 <a:sym typeface="Consolas"/>
               </a:rPr>
-              <a:t>Find the records that are either compact or subcompact that get city mileage of over 20 mpg</a:t>
-            </a:r>
-          </a:p>
-          <a:p>
-            <a:pPr marL="438150" lvl="0" indent="-342900">
-              <a:lnSpc>
-                <a:spcPct val="115000"/>
-              </a:lnSpc>
+              <a:t>Pull only the records that are from Biscoe island and that have a body mass greater than average for that group.  </a:t>
+            </a:r>
+          </a:p>
+          <a:p>
+            <a:pPr marL="657225" indent="-514350">
               <a:spcBef>
-                <a:spcPts val="750"/>
+                <a:spcPts val="1125"/>
               </a:spcBef>
               <a:buClr>
                 <a:srgbClr val="C00000"/>
               </a:buClr>
               <a:buSzPts val="2100"/>
-              <a:buFont typeface="Arial" panose="020B0604020202020204" pitchFamily="34" charset="0"/>
-              <a:buChar char="•"/>
+              <a:buFont typeface="+mj-lt"/>
+              <a:buAutoNum type="arabicPeriod"/>
             </a:pPr>
             <a:r>
-              <a:rPr lang="en-US" sz="2000" dirty="0">
+              <a:rPr lang="en-US" sz="2400" dirty="0">
                 <a:solidFill>
                   <a:srgbClr val="CF3338"/>
                 </a:solidFill>
                 <a:latin typeface="Pragmatica" panose="020B0403040502020204"/>
+                <a:ea typeface="Consolas"/>
+                <a:cs typeface="Consolas"/>
                 <a:sym typeface="Consolas"/>
               </a:rPr>
-              <a:t>Find the records for Toyota vehicles that get over 30 highway mpg</a:t>
-            </a:r>
-            <a:endParaRPr lang="en-US" sz="2000" dirty="0">
-              <a:solidFill>
-                <a:srgbClr val="CF3338"/>
-              </a:solidFill>
-              <a:latin typeface="Pragmatica" panose="020B0403040502020204" pitchFamily="34" charset="0"/>
-              <a:sym typeface="Consolas"/>
-            </a:endParaRPr>
+              <a:t>Sort the data by body mass ascending, species ascending, sex descending. </a:t>
+            </a:r>
           </a:p>
         </p:txBody>
       </p:sp>

--- a/mastering-excel-formulas-slides.pptx
+++ b/mastering-excel-formulas-slides.pptx
@@ -3860,7 +3860,7 @@
           <a:p>
             <a:fld id="{05534BD0-1400-4EBA-BBA1-04F52AB31B36}" type="datetimeFigureOut">
               <a:rPr lang="en-US" smtClean="0"/>
-              <a:t>11/29/2022</a:t>
+              <a:t>8/31/2023</a:t>
             </a:fld>
             <a:endParaRPr lang="en-US"/>
           </a:p>
@@ -6308,7 +6308,7 @@
           <a:p>
             <a:fld id="{0138B082-EFC2-46C1-B47C-51736C670379}" type="datetimeFigureOut">
               <a:rPr lang="en-US" smtClean="0"/>
-              <a:t>11/29/2022</a:t>
+              <a:t>8/31/2023</a:t>
             </a:fld>
             <a:endParaRPr lang="en-US"/>
           </a:p>
@@ -6476,7 +6476,7 @@
           <a:p>
             <a:fld id="{0138B082-EFC2-46C1-B47C-51736C670379}" type="datetimeFigureOut">
               <a:rPr lang="en-US" smtClean="0"/>
-              <a:t>11/29/2022</a:t>
+              <a:t>8/31/2023</a:t>
             </a:fld>
             <a:endParaRPr lang="en-US"/>
           </a:p>
@@ -6654,7 +6654,7 @@
           <a:p>
             <a:fld id="{0138B082-EFC2-46C1-B47C-51736C670379}" type="datetimeFigureOut">
               <a:rPr lang="en-US" smtClean="0"/>
-              <a:t>11/29/2022</a:t>
+              <a:t>8/31/2023</a:t>
             </a:fld>
             <a:endParaRPr lang="en-US"/>
           </a:p>
@@ -6822,7 +6822,7 @@
           <a:p>
             <a:fld id="{0138B082-EFC2-46C1-B47C-51736C670379}" type="datetimeFigureOut">
               <a:rPr lang="en-US" smtClean="0"/>
-              <a:t>11/29/2022</a:t>
+              <a:t>8/31/2023</a:t>
             </a:fld>
             <a:endParaRPr lang="en-US"/>
           </a:p>
@@ -7067,7 +7067,7 @@
           <a:p>
             <a:fld id="{0138B082-EFC2-46C1-B47C-51736C670379}" type="datetimeFigureOut">
               <a:rPr lang="en-US" smtClean="0"/>
-              <a:t>11/29/2022</a:t>
+              <a:t>8/31/2023</a:t>
             </a:fld>
             <a:endParaRPr lang="en-US"/>
           </a:p>
@@ -7296,7 +7296,7 @@
           <a:p>
             <a:fld id="{0138B082-EFC2-46C1-B47C-51736C670379}" type="datetimeFigureOut">
               <a:rPr lang="en-US" smtClean="0"/>
-              <a:t>11/29/2022</a:t>
+              <a:t>8/31/2023</a:t>
             </a:fld>
             <a:endParaRPr lang="en-US"/>
           </a:p>
@@ -7660,7 +7660,7 @@
           <a:p>
             <a:fld id="{0138B082-EFC2-46C1-B47C-51736C670379}" type="datetimeFigureOut">
               <a:rPr lang="en-US" smtClean="0"/>
-              <a:t>11/29/2022</a:t>
+              <a:t>8/31/2023</a:t>
             </a:fld>
             <a:endParaRPr lang="en-US"/>
           </a:p>
@@ -7777,7 +7777,7 @@
           <a:p>
             <a:fld id="{0138B082-EFC2-46C1-B47C-51736C670379}" type="datetimeFigureOut">
               <a:rPr lang="en-US" smtClean="0"/>
-              <a:t>11/29/2022</a:t>
+              <a:t>8/31/2023</a:t>
             </a:fld>
             <a:endParaRPr lang="en-US"/>
           </a:p>
@@ -7872,7 +7872,7 @@
           <a:p>
             <a:fld id="{0138B082-EFC2-46C1-B47C-51736C670379}" type="datetimeFigureOut">
               <a:rPr lang="en-US" smtClean="0"/>
-              <a:t>11/29/2022</a:t>
+              <a:t>8/31/2023</a:t>
             </a:fld>
             <a:endParaRPr lang="en-US"/>
           </a:p>
@@ -8147,7 +8147,7 @@
           <a:p>
             <a:fld id="{0138B082-EFC2-46C1-B47C-51736C670379}" type="datetimeFigureOut">
               <a:rPr lang="en-US" smtClean="0"/>
-              <a:t>11/29/2022</a:t>
+              <a:t>8/31/2023</a:t>
             </a:fld>
             <a:endParaRPr lang="en-US"/>
           </a:p>
@@ -8399,7 +8399,7 @@
           <a:p>
             <a:fld id="{0138B082-EFC2-46C1-B47C-51736C670379}" type="datetimeFigureOut">
               <a:rPr lang="en-US" smtClean="0"/>
-              <a:t>11/29/2022</a:t>
+              <a:t>8/31/2023</a:t>
             </a:fld>
             <a:endParaRPr lang="en-US"/>
           </a:p>
@@ -8613,7 +8613,7 @@
           <a:p>
             <a:fld id="{0138B082-EFC2-46C1-B47C-51736C670379}" type="datetimeFigureOut">
               <a:rPr lang="en-US" smtClean="0"/>
-              <a:t>11/29/2022</a:t>
+              <a:t>8/31/2023</a:t>
             </a:fld>
             <a:endParaRPr lang="en-US"/>
           </a:p>
@@ -9111,6 +9111,42 @@
           </a:p>
         </p:txBody>
       </p:sp>
+      <p:pic>
+        <p:nvPicPr>
+          <p:cNvPr id="12" name="Picture 11" descr="A logo for a university&#10;&#10;Description automatically generated">
+            <a:extLst>
+              <a:ext uri="{FF2B5EF4-FFF2-40B4-BE49-F238E27FC236}">
+                <a16:creationId xmlns:a16="http://schemas.microsoft.com/office/drawing/2014/main" id="{74C870E1-7FF1-9F99-84BD-DCA0D3361AFB}"/>
+              </a:ext>
+            </a:extLst>
+          </p:cNvPr>
+          <p:cNvPicPr>
+            <a:picLocks noChangeAspect="1"/>
+          </p:cNvPicPr>
+          <p:nvPr/>
+        </p:nvPicPr>
+        <p:blipFill>
+          <a:blip r:embed="rId4">
+            <a:extLst>
+              <a:ext uri="{28A0092B-C50C-407E-A947-70E740481C1C}">
+                <a14:useLocalDpi xmlns:a14="http://schemas.microsoft.com/office/drawing/2010/main" val="0"/>
+              </a:ext>
+            </a:extLst>
+          </a:blip>
+          <a:stretch>
+            <a:fillRect/>
+          </a:stretch>
+        </p:blipFill>
+        <p:spPr>
+          <a:xfrm>
+            <a:off x="0" y="4243442"/>
+            <a:ext cx="3163468" cy="2613831"/>
+          </a:xfrm>
+          <a:prstGeom prst="rect">
+            <a:avLst/>
+          </a:prstGeom>
+        </p:spPr>
+      </p:pic>
     </p:spTree>
     <p:extLst>
       <p:ext uri="{BB962C8B-B14F-4D97-AF65-F5344CB8AC3E}">
@@ -12012,6 +12048,42 @@
           </a:p>
         </p:txBody>
       </p:sp>
+      <p:pic>
+        <p:nvPicPr>
+          <p:cNvPr id="2" name="Picture 1" descr="A black text on a white background&#10;&#10;Description automatically generated">
+            <a:extLst>
+              <a:ext uri="{FF2B5EF4-FFF2-40B4-BE49-F238E27FC236}">
+                <a16:creationId xmlns:a16="http://schemas.microsoft.com/office/drawing/2014/main" id="{F1D6D227-D249-A504-31A1-627D48C0F086}"/>
+              </a:ext>
+            </a:extLst>
+          </p:cNvPr>
+          <p:cNvPicPr>
+            <a:picLocks noChangeAspect="1"/>
+          </p:cNvPicPr>
+          <p:nvPr/>
+        </p:nvPicPr>
+        <p:blipFill>
+          <a:blip r:embed="rId2">
+            <a:extLst>
+              <a:ext uri="{28A0092B-C50C-407E-A947-70E740481C1C}">
+                <a14:useLocalDpi xmlns:a14="http://schemas.microsoft.com/office/drawing/2010/main" val="0"/>
+              </a:ext>
+            </a:extLst>
+          </a:blip>
+          <a:stretch>
+            <a:fillRect/>
+          </a:stretch>
+        </p:blipFill>
+        <p:spPr>
+          <a:xfrm>
+            <a:off x="-1" y="5851259"/>
+            <a:ext cx="5959907" cy="1006741"/>
+          </a:xfrm>
+          <a:prstGeom prst="rect">
+            <a:avLst/>
+          </a:prstGeom>
+        </p:spPr>
+      </p:pic>
     </p:spTree>
     <p:extLst>
       <p:ext uri="{BB962C8B-B14F-4D97-AF65-F5344CB8AC3E}">
@@ -14025,6 +14097,42 @@
           </a:p>
         </p:txBody>
       </p:sp>
+      <p:pic>
+        <p:nvPicPr>
+          <p:cNvPr id="6" name="Picture 5" descr="A black text on a white background&#10;&#10;Description automatically generated">
+            <a:extLst>
+              <a:ext uri="{FF2B5EF4-FFF2-40B4-BE49-F238E27FC236}">
+                <a16:creationId xmlns:a16="http://schemas.microsoft.com/office/drawing/2014/main" id="{58E7CFE3-1039-081E-F85E-77D7CBEDDF05}"/>
+              </a:ext>
+            </a:extLst>
+          </p:cNvPr>
+          <p:cNvPicPr>
+            <a:picLocks noChangeAspect="1"/>
+          </p:cNvPicPr>
+          <p:nvPr/>
+        </p:nvPicPr>
+        <p:blipFill>
+          <a:blip r:embed="rId2">
+            <a:extLst>
+              <a:ext uri="{28A0092B-C50C-407E-A947-70E740481C1C}">
+                <a14:useLocalDpi xmlns:a14="http://schemas.microsoft.com/office/drawing/2010/main" val="0"/>
+              </a:ext>
+            </a:extLst>
+          </a:blip>
+          <a:stretch>
+            <a:fillRect/>
+          </a:stretch>
+        </p:blipFill>
+        <p:spPr>
+          <a:xfrm>
+            <a:off x="-1" y="5851259"/>
+            <a:ext cx="5959907" cy="1006741"/>
+          </a:xfrm>
+          <a:prstGeom prst="rect">
+            <a:avLst/>
+          </a:prstGeom>
+        </p:spPr>
+      </p:pic>
     </p:spTree>
     <p:extLst>
       <p:ext uri="{BB962C8B-B14F-4D97-AF65-F5344CB8AC3E}">
@@ -17633,6 +17741,42 @@
           </a:p>
         </p:txBody>
       </p:sp>
+      <p:pic>
+        <p:nvPicPr>
+          <p:cNvPr id="2" name="Picture 1" descr="A black text on a white background&#10;&#10;Description automatically generated">
+            <a:extLst>
+              <a:ext uri="{FF2B5EF4-FFF2-40B4-BE49-F238E27FC236}">
+                <a16:creationId xmlns:a16="http://schemas.microsoft.com/office/drawing/2014/main" id="{C699026E-970A-B6A1-38D6-5B5A43D3BFB8}"/>
+              </a:ext>
+            </a:extLst>
+          </p:cNvPr>
+          <p:cNvPicPr>
+            <a:picLocks noChangeAspect="1"/>
+          </p:cNvPicPr>
+          <p:nvPr/>
+        </p:nvPicPr>
+        <p:blipFill>
+          <a:blip r:embed="rId2">
+            <a:extLst>
+              <a:ext uri="{28A0092B-C50C-407E-A947-70E740481C1C}">
+                <a14:useLocalDpi xmlns:a14="http://schemas.microsoft.com/office/drawing/2010/main" val="0"/>
+              </a:ext>
+            </a:extLst>
+          </a:blip>
+          <a:stretch>
+            <a:fillRect/>
+          </a:stretch>
+        </p:blipFill>
+        <p:spPr>
+          <a:xfrm>
+            <a:off x="-1" y="5851259"/>
+            <a:ext cx="5959907" cy="1006741"/>
+          </a:xfrm>
+          <a:prstGeom prst="rect">
+            <a:avLst/>
+          </a:prstGeom>
+        </p:spPr>
+      </p:pic>
     </p:spTree>
     <p:extLst>
       <p:ext uri="{BB962C8B-B14F-4D97-AF65-F5344CB8AC3E}">
@@ -20830,6 +20974,42 @@
           </a:p>
         </p:txBody>
       </p:sp>
+      <p:pic>
+        <p:nvPicPr>
+          <p:cNvPr id="2" name="Picture 1" descr="A black text on a white background&#10;&#10;Description automatically generated">
+            <a:extLst>
+              <a:ext uri="{FF2B5EF4-FFF2-40B4-BE49-F238E27FC236}">
+                <a16:creationId xmlns:a16="http://schemas.microsoft.com/office/drawing/2014/main" id="{34BCBE27-DF1A-70C1-B91A-2FF7AFDC7D9B}"/>
+              </a:ext>
+            </a:extLst>
+          </p:cNvPr>
+          <p:cNvPicPr>
+            <a:picLocks noChangeAspect="1"/>
+          </p:cNvPicPr>
+          <p:nvPr/>
+        </p:nvPicPr>
+        <p:blipFill>
+          <a:blip r:embed="rId2">
+            <a:extLst>
+              <a:ext uri="{28A0092B-C50C-407E-A947-70E740481C1C}">
+                <a14:useLocalDpi xmlns:a14="http://schemas.microsoft.com/office/drawing/2010/main" val="0"/>
+              </a:ext>
+            </a:extLst>
+          </a:blip>
+          <a:stretch>
+            <a:fillRect/>
+          </a:stretch>
+        </p:blipFill>
+        <p:spPr>
+          <a:xfrm>
+            <a:off x="-1" y="5851259"/>
+            <a:ext cx="5959907" cy="1006741"/>
+          </a:xfrm>
+          <a:prstGeom prst="rect">
+            <a:avLst/>
+          </a:prstGeom>
+        </p:spPr>
+      </p:pic>
     </p:spTree>
     <p:extLst>
       <p:ext uri="{BB962C8B-B14F-4D97-AF65-F5344CB8AC3E}">
@@ -23172,6 +23352,42 @@
           </a:p>
         </p:txBody>
       </p:sp>
+      <p:pic>
+        <p:nvPicPr>
+          <p:cNvPr id="2" name="Picture 1" descr="A black text on a white background&#10;&#10;Description automatically generated">
+            <a:extLst>
+              <a:ext uri="{FF2B5EF4-FFF2-40B4-BE49-F238E27FC236}">
+                <a16:creationId xmlns:a16="http://schemas.microsoft.com/office/drawing/2014/main" id="{281D8C79-E64B-308D-AE0A-19172FCC161C}"/>
+              </a:ext>
+            </a:extLst>
+          </p:cNvPr>
+          <p:cNvPicPr>
+            <a:picLocks noChangeAspect="1"/>
+          </p:cNvPicPr>
+          <p:nvPr/>
+        </p:nvPicPr>
+        <p:blipFill>
+          <a:blip r:embed="rId2">
+            <a:extLst>
+              <a:ext uri="{28A0092B-C50C-407E-A947-70E740481C1C}">
+                <a14:useLocalDpi xmlns:a14="http://schemas.microsoft.com/office/drawing/2010/main" val="0"/>
+              </a:ext>
+            </a:extLst>
+          </a:blip>
+          <a:stretch>
+            <a:fillRect/>
+          </a:stretch>
+        </p:blipFill>
+        <p:spPr>
+          <a:xfrm>
+            <a:off x="-1" y="5851259"/>
+            <a:ext cx="5959907" cy="1006741"/>
+          </a:xfrm>
+          <a:prstGeom prst="rect">
+            <a:avLst/>
+          </a:prstGeom>
+        </p:spPr>
+      </p:pic>
     </p:spTree>
     <p:extLst>
       <p:ext uri="{BB962C8B-B14F-4D97-AF65-F5344CB8AC3E}">
@@ -23586,6 +23802,42 @@
           </a:p>
         </p:txBody>
       </p:sp>
+      <p:pic>
+        <p:nvPicPr>
+          <p:cNvPr id="3" name="Picture 2" descr="A black text on a white background&#10;&#10;Description automatically generated">
+            <a:extLst>
+              <a:ext uri="{FF2B5EF4-FFF2-40B4-BE49-F238E27FC236}">
+                <a16:creationId xmlns:a16="http://schemas.microsoft.com/office/drawing/2014/main" id="{09884EB9-7BF8-4BE6-65DC-B12EEA6F7A3F}"/>
+              </a:ext>
+            </a:extLst>
+          </p:cNvPr>
+          <p:cNvPicPr>
+            <a:picLocks noChangeAspect="1"/>
+          </p:cNvPicPr>
+          <p:nvPr/>
+        </p:nvPicPr>
+        <p:blipFill>
+          <a:blip r:embed="rId2">
+            <a:extLst>
+              <a:ext uri="{28A0092B-C50C-407E-A947-70E740481C1C}">
+                <a14:useLocalDpi xmlns:a14="http://schemas.microsoft.com/office/drawing/2010/main" val="0"/>
+              </a:ext>
+            </a:extLst>
+          </a:blip>
+          <a:stretch>
+            <a:fillRect/>
+          </a:stretch>
+        </p:blipFill>
+        <p:spPr>
+          <a:xfrm>
+            <a:off x="-1" y="5851259"/>
+            <a:ext cx="5959907" cy="1006741"/>
+          </a:xfrm>
+          <a:prstGeom prst="rect">
+            <a:avLst/>
+          </a:prstGeom>
+        </p:spPr>
+      </p:pic>
     </p:spTree>
     <p:extLst>
       <p:ext uri="{BB962C8B-B14F-4D97-AF65-F5344CB8AC3E}">
@@ -24148,6 +24400,42 @@
           </a:p>
         </p:txBody>
       </p:sp>
+      <p:pic>
+        <p:nvPicPr>
+          <p:cNvPr id="2" name="Picture 1" descr="A black text on a white background&#10;&#10;Description automatically generated">
+            <a:extLst>
+              <a:ext uri="{FF2B5EF4-FFF2-40B4-BE49-F238E27FC236}">
+                <a16:creationId xmlns:a16="http://schemas.microsoft.com/office/drawing/2014/main" id="{1FD35548-6964-6165-DB4D-A914EBCA9591}"/>
+              </a:ext>
+            </a:extLst>
+          </p:cNvPr>
+          <p:cNvPicPr>
+            <a:picLocks noChangeAspect="1"/>
+          </p:cNvPicPr>
+          <p:nvPr/>
+        </p:nvPicPr>
+        <p:blipFill>
+          <a:blip r:embed="rId2">
+            <a:extLst>
+              <a:ext uri="{28A0092B-C50C-407E-A947-70E740481C1C}">
+                <a14:useLocalDpi xmlns:a14="http://schemas.microsoft.com/office/drawing/2010/main" val="0"/>
+              </a:ext>
+            </a:extLst>
+          </a:blip>
+          <a:stretch>
+            <a:fillRect/>
+          </a:stretch>
+        </p:blipFill>
+        <p:spPr>
+          <a:xfrm>
+            <a:off x="-1" y="5851259"/>
+            <a:ext cx="5959907" cy="1006741"/>
+          </a:xfrm>
+          <a:prstGeom prst="rect">
+            <a:avLst/>
+          </a:prstGeom>
+        </p:spPr>
+      </p:pic>
     </p:spTree>
     <p:extLst>
       <p:ext uri="{BB962C8B-B14F-4D97-AF65-F5344CB8AC3E}">
@@ -25526,6 +25814,42 @@
           </a:p>
         </p:txBody>
       </p:sp>
+      <p:pic>
+        <p:nvPicPr>
+          <p:cNvPr id="3" name="Picture 2" descr="A logo for a university&#10;&#10;Description automatically generated">
+            <a:extLst>
+              <a:ext uri="{FF2B5EF4-FFF2-40B4-BE49-F238E27FC236}">
+                <a16:creationId xmlns:a16="http://schemas.microsoft.com/office/drawing/2014/main" id="{06E329C2-DC57-C9C1-4905-E43E49CE306E}"/>
+              </a:ext>
+            </a:extLst>
+          </p:cNvPr>
+          <p:cNvPicPr>
+            <a:picLocks noChangeAspect="1"/>
+          </p:cNvPicPr>
+          <p:nvPr/>
+        </p:nvPicPr>
+        <p:blipFill>
+          <a:blip r:embed="rId4">
+            <a:extLst>
+              <a:ext uri="{28A0092B-C50C-407E-A947-70E740481C1C}">
+                <a14:useLocalDpi xmlns:a14="http://schemas.microsoft.com/office/drawing/2010/main" val="0"/>
+              </a:ext>
+            </a:extLst>
+          </a:blip>
+          <a:stretch>
+            <a:fillRect/>
+          </a:stretch>
+        </p:blipFill>
+        <p:spPr>
+          <a:xfrm>
+            <a:off x="0" y="4244169"/>
+            <a:ext cx="3163468" cy="2613831"/>
+          </a:xfrm>
+          <a:prstGeom prst="rect">
+            <a:avLst/>
+          </a:prstGeom>
+        </p:spPr>
+      </p:pic>
     </p:spTree>
     <p:extLst>
       <p:ext uri="{BB962C8B-B14F-4D97-AF65-F5344CB8AC3E}">
